--- a/doc/第二阶段课堂展示.pptx
+++ b/doc/第二阶段课堂展示.pptx
@@ -5,7 +5,7 @@
     <p:sldMasterId id="2147483648" r:id="rId1"/>
   </p:sldMasterIdLst>
   <p:notesMasterIdLst>
-    <p:notesMasterId r:id="rId9"/>
+    <p:notesMasterId r:id="rId10"/>
   </p:notesMasterIdLst>
   <p:sldIdLst>
     <p:sldId id="256" r:id="rId2"/>
@@ -14,7 +14,8 @@
     <p:sldId id="282" r:id="rId5"/>
     <p:sldId id="283" r:id="rId6"/>
     <p:sldId id="284" r:id="rId7"/>
-    <p:sldId id="260" r:id="rId8"/>
+    <p:sldId id="285" r:id="rId8"/>
+    <p:sldId id="260" r:id="rId9"/>
   </p:sldIdLst>
   <p:sldSz cx="9144000" cy="5143500" type="screen16x9"/>
   <p:notesSz cx="6858000" cy="9144000"/>
@@ -6228,7 +6229,7 @@
           <a:lstStyle/>
           <a:p>
             <a:r>
-              <a:rPr lang="zh-CN" altLang="en-US" dirty="0" smtClean="0"/>
+              <a:rPr lang="zh-CN" altLang="en-US" dirty="0"/>
               <a:t>顺序图</a:t>
             </a:r>
             <a:endParaRPr lang="en-US" dirty="0"/>
@@ -6295,27 +6296,7 @@
                 <a:latin typeface="PingFang SC" panose="020B0400000000000000" pitchFamily="34" charset="-122"/>
                 <a:ea typeface="PingFang SC" panose="020B0400000000000000" pitchFamily="34" charset="-122"/>
               </a:rPr>
-              <a:t>注册                                                                </a:t>
-            </a:r>
-            <a:r>
-              <a:rPr lang="zh-CN" altLang="en-US" b="1" dirty="0" smtClean="0">
-                <a:solidFill>
-                  <a:schemeClr val="dk1"/>
-                </a:solidFill>
-                <a:latin typeface="PingFang SC" panose="020B0400000000000000" pitchFamily="34" charset="-122"/>
-                <a:ea typeface="PingFang SC" panose="020B0400000000000000" pitchFamily="34" charset="-122"/>
-              </a:rPr>
-              <a:t> 登</a:t>
-            </a:r>
-            <a:r>
-              <a:rPr lang="zh-CN" altLang="en-US" b="1" dirty="0">
-                <a:solidFill>
-                  <a:schemeClr val="dk1"/>
-                </a:solidFill>
-                <a:latin typeface="PingFang SC" panose="020B0400000000000000" pitchFamily="34" charset="-122"/>
-                <a:ea typeface="PingFang SC" panose="020B0400000000000000" pitchFamily="34" charset="-122"/>
-              </a:rPr>
-              <a:t>陆  </a:t>
+              <a:t>注册                                                                 登陆  </a:t>
             </a:r>
             <a:endParaRPr lang="en-US" b="1" dirty="0">
               <a:solidFill>
@@ -6410,7 +6391,7 @@
           <a:lstStyle/>
           <a:p>
             <a:r>
-              <a:rPr lang="zh-CN" altLang="en-US" b="1" dirty="0" smtClean="0">
+              <a:rPr lang="zh-CN" altLang="en-US" b="1" dirty="0">
                 <a:solidFill>
                   <a:schemeClr val="dk1"/>
                 </a:solidFill>
@@ -6450,7 +6431,7 @@
           <a:lstStyle/>
           <a:p>
             <a:r>
-              <a:rPr lang="zh-CN" altLang="en-US" dirty="0" smtClean="0"/>
+              <a:rPr lang="zh-CN" altLang="en-US" dirty="0"/>
               <a:t>顺序图</a:t>
             </a:r>
             <a:endParaRPr lang="en-US" dirty="0"/>
@@ -6549,6 +6530,100 @@
       </p:grpSpPr>
       <p:sp>
         <p:nvSpPr>
+          <p:cNvPr id="8" name="Title 1"/>
+          <p:cNvSpPr>
+            <a:spLocks noGrp="1"/>
+          </p:cNvSpPr>
+          <p:nvPr>
+            <p:ph type="title"/>
+          </p:nvPr>
+        </p:nvSpPr>
+        <p:spPr>
+          <a:xfrm>
+            <a:off x="2892245" y="433880"/>
+            <a:ext cx="5802789" cy="725349"/>
+          </a:xfrm>
+        </p:spPr>
+        <p:txBody>
+          <a:bodyPr/>
+          <a:lstStyle/>
+          <a:p>
+            <a:r>
+              <a:rPr lang="zh-CN" altLang="en-US" dirty="0"/>
+              <a:t>状态图</a:t>
+            </a:r>
+            <a:endParaRPr lang="en-US" dirty="0"/>
+          </a:p>
+        </p:txBody>
+      </p:sp>
+      <p:pic>
+        <p:nvPicPr>
+          <p:cNvPr id="9" name="图片 8">
+            <a:extLst>
+              <a:ext uri="{FF2B5EF4-FFF2-40B4-BE49-F238E27FC236}">
+                <a16:creationId xmlns:a16="http://schemas.microsoft.com/office/drawing/2014/main" id="{1994744D-7984-44B6-8089-D9D972CE1382}"/>
+              </a:ext>
+            </a:extLst>
+          </p:cNvPr>
+          <p:cNvPicPr>
+            <a:picLocks noChangeAspect="1"/>
+          </p:cNvPicPr>
+          <p:nvPr/>
+        </p:nvPicPr>
+        <p:blipFill>
+          <a:blip r:embed="rId2">
+            <a:extLst>
+              <a:ext uri="{28A0092B-C50C-407E-A947-70E740481C1C}">
+                <a14:useLocalDpi xmlns:a14="http://schemas.microsoft.com/office/drawing/2010/main" val="0"/>
+              </a:ext>
+            </a:extLst>
+          </a:blip>
+          <a:stretch>
+            <a:fillRect/>
+          </a:stretch>
+        </p:blipFill>
+        <p:spPr>
+          <a:xfrm>
+            <a:off x="2892245" y="1159229"/>
+            <a:ext cx="5802789" cy="3837404"/>
+          </a:xfrm>
+          <a:prstGeom prst="rect">
+            <a:avLst/>
+          </a:prstGeom>
+        </p:spPr>
+      </p:pic>
+    </p:spTree>
+    <p:extLst>
+      <p:ext uri="{BB962C8B-B14F-4D97-AF65-F5344CB8AC3E}">
+        <p14:creationId xmlns:p14="http://schemas.microsoft.com/office/powerpoint/2010/main" val="1916086550"/>
+      </p:ext>
+    </p:extLst>
+  </p:cSld>
+  <p:clrMapOvr>
+    <a:masterClrMapping/>
+  </p:clrMapOvr>
+</p:sld>
+</file>
+
+<file path=ppt/slides/slide8.xml><?xml version="1.0" encoding="utf-8"?>
+<p:sld xmlns:a="http://schemas.openxmlformats.org/drawingml/2006/main" xmlns:r="http://schemas.openxmlformats.org/officeDocument/2006/relationships" xmlns:p="http://schemas.openxmlformats.org/presentationml/2006/main">
+  <p:cSld>
+    <p:spTree>
+      <p:nvGrpSpPr>
+        <p:cNvPr id="1" name=""/>
+        <p:cNvGrpSpPr/>
+        <p:nvPr/>
+      </p:nvGrpSpPr>
+      <p:grpSpPr>
+        <a:xfrm>
+          <a:off x="0" y="0"/>
+          <a:ext cx="0" cy="0"/>
+          <a:chOff x="0" y="0"/>
+          <a:chExt cx="0" cy="0"/>
+        </a:xfrm>
+      </p:grpSpPr>
+      <p:sp>
+        <p:nvSpPr>
           <p:cNvPr id="5" name="Title 1">
             <a:extLst>
               <a:ext uri="{FF2B5EF4-FFF2-40B4-BE49-F238E27FC236}">
@@ -6643,7 +6718,7 @@
         </p:spPr>
         <p:txBody>
           <a:bodyPr>
-            <a:normAutofit/>
+            <a:normAutofit fontScale="92500"/>
           </a:bodyPr>
           <a:lstStyle/>
           <a:p>
